--- a/Aegiverse_GUI/HINS/HINS_Ver3.0/doc/餵外部Heading流程.pptx
+++ b/Aegiverse_GUI/HINS/HINS_Ver3.0/doc/餵外部Heading流程.pptx
@@ -63,6 +63,7 @@
     <p:sldId id="310" r:id="rId57"/>
     <p:sldId id="312" r:id="rId58"/>
     <p:sldId id="313" r:id="rId59"/>
+    <p:sldId id="314" r:id="rId60"/>
   </p:sldIdLst>
   <p:sldSz cx="12192000" cy="6858000"/>
   <p:notesSz cx="6858000" cy="9144000"/>
@@ -161,6 +162,11 @@
       </a:defRPr>
     </a:lvl9pPr>
   </p:defaultTextStyle>
+  <p:extLst>
+    <p:ext uri="{EFAFB233-063F-42B5-8137-9DF3F51BA10A}">
+      <p15:sldGuideLst xmlns:p15="http://schemas.microsoft.com/office/powerpoint/2012/main"/>
+    </p:ext>
+  </p:extLst>
 </p:presentation>
 </file>
 
@@ -367,7 +373,7 @@
           <a:p>
             <a:fld id="{8826F090-6764-46AE-A868-443D5761A35B}" type="datetimeFigureOut">
               <a:rPr lang="zh-TW" altLang="en-US" smtClean="0"/>
-              <a:t>2026/1/23</a:t>
+              <a:t>2026/1/29</a:t>
             </a:fld>
             <a:endParaRPr lang="zh-TW" altLang="en-US"/>
           </a:p>
@@ -565,7 +571,7 @@
           <a:p>
             <a:fld id="{8826F090-6764-46AE-A868-443D5761A35B}" type="datetimeFigureOut">
               <a:rPr lang="zh-TW" altLang="en-US" smtClean="0"/>
-              <a:t>2026/1/23</a:t>
+              <a:t>2026/1/29</a:t>
             </a:fld>
             <a:endParaRPr lang="zh-TW" altLang="en-US"/>
           </a:p>
@@ -773,7 +779,7 @@
           <a:p>
             <a:fld id="{8826F090-6764-46AE-A868-443D5761A35B}" type="datetimeFigureOut">
               <a:rPr lang="zh-TW" altLang="en-US" smtClean="0"/>
-              <a:t>2026/1/23</a:t>
+              <a:t>2026/1/29</a:t>
             </a:fld>
             <a:endParaRPr lang="zh-TW" altLang="en-US"/>
           </a:p>
@@ -971,7 +977,7 @@
           <a:p>
             <a:fld id="{8826F090-6764-46AE-A868-443D5761A35B}" type="datetimeFigureOut">
               <a:rPr lang="zh-TW" altLang="en-US" smtClean="0"/>
-              <a:t>2026/1/23</a:t>
+              <a:t>2026/1/29</a:t>
             </a:fld>
             <a:endParaRPr lang="zh-TW" altLang="en-US"/>
           </a:p>
@@ -1246,7 +1252,7 @@
           <a:p>
             <a:fld id="{8826F090-6764-46AE-A868-443D5761A35B}" type="datetimeFigureOut">
               <a:rPr lang="zh-TW" altLang="en-US" smtClean="0"/>
-              <a:t>2026/1/23</a:t>
+              <a:t>2026/1/29</a:t>
             </a:fld>
             <a:endParaRPr lang="zh-TW" altLang="en-US"/>
           </a:p>
@@ -1511,7 +1517,7 @@
           <a:p>
             <a:fld id="{8826F090-6764-46AE-A868-443D5761A35B}" type="datetimeFigureOut">
               <a:rPr lang="zh-TW" altLang="en-US" smtClean="0"/>
-              <a:t>2026/1/23</a:t>
+              <a:t>2026/1/29</a:t>
             </a:fld>
             <a:endParaRPr lang="zh-TW" altLang="en-US"/>
           </a:p>
@@ -1923,7 +1929,7 @@
           <a:p>
             <a:fld id="{8826F090-6764-46AE-A868-443D5761A35B}" type="datetimeFigureOut">
               <a:rPr lang="zh-TW" altLang="en-US" smtClean="0"/>
-              <a:t>2026/1/23</a:t>
+              <a:t>2026/1/29</a:t>
             </a:fld>
             <a:endParaRPr lang="zh-TW" altLang="en-US"/>
           </a:p>
@@ -2064,7 +2070,7 @@
           <a:p>
             <a:fld id="{8826F090-6764-46AE-A868-443D5761A35B}" type="datetimeFigureOut">
               <a:rPr lang="zh-TW" altLang="en-US" smtClean="0"/>
-              <a:t>2026/1/23</a:t>
+              <a:t>2026/1/29</a:t>
             </a:fld>
             <a:endParaRPr lang="zh-TW" altLang="en-US"/>
           </a:p>
@@ -2177,7 +2183,7 @@
           <a:p>
             <a:fld id="{8826F090-6764-46AE-A868-443D5761A35B}" type="datetimeFigureOut">
               <a:rPr lang="zh-TW" altLang="en-US" smtClean="0"/>
-              <a:t>2026/1/23</a:t>
+              <a:t>2026/1/29</a:t>
             </a:fld>
             <a:endParaRPr lang="zh-TW" altLang="en-US"/>
           </a:p>
@@ -2488,7 +2494,7 @@
           <a:p>
             <a:fld id="{8826F090-6764-46AE-A868-443D5761A35B}" type="datetimeFigureOut">
               <a:rPr lang="zh-TW" altLang="en-US" smtClean="0"/>
-              <a:t>2026/1/23</a:t>
+              <a:t>2026/1/29</a:t>
             </a:fld>
             <a:endParaRPr lang="zh-TW" altLang="en-US"/>
           </a:p>
@@ -2776,7 +2782,7 @@
           <a:p>
             <a:fld id="{8826F090-6764-46AE-A868-443D5761A35B}" type="datetimeFigureOut">
               <a:rPr lang="zh-TW" altLang="en-US" smtClean="0"/>
-              <a:t>2026/1/23</a:t>
+              <a:t>2026/1/29</a:t>
             </a:fld>
             <a:endParaRPr lang="zh-TW" altLang="en-US"/>
           </a:p>
@@ -3017,7 +3023,7 @@
           <a:p>
             <a:fld id="{8826F090-6764-46AE-A868-443D5761A35B}" type="datetimeFigureOut">
               <a:rPr lang="zh-TW" altLang="en-US" smtClean="0"/>
-              <a:t>2026/1/23</a:t>
+              <a:t>2026/1/29</a:t>
             </a:fld>
             <a:endParaRPr lang="zh-TW" altLang="en-US"/>
           </a:p>
@@ -6720,8 +6726,8 @@
             <a:chExt cx="768240" cy="656640"/>
           </a:xfrm>
         </p:grpSpPr>
-        <mc:AlternateContent xmlns:mc="http://schemas.openxmlformats.org/markup-compatibility/2006">
-          <mc:Choice xmlns:p14="http://schemas.microsoft.com/office/powerpoint/2010/main" Requires="p14">
+        <mc:AlternateContent xmlns:mc="http://schemas.openxmlformats.org/markup-compatibility/2006" xmlns:p14="http://schemas.microsoft.com/office/powerpoint/2010/main">
+          <mc:Choice Requires="p14">
             <p:contentPart p14:bwMode="auto" r:id="rId4">
               <p14:nvContentPartPr>
                 <p14:cNvPr id="25" name="筆跡 24">
@@ -6740,7 +6746,7 @@
               </p14:xfrm>
             </p:contentPart>
           </mc:Choice>
-          <mc:Fallback>
+          <mc:Fallback xmlns="">
             <p:pic>
               <p:nvPicPr>
                 <p:cNvPr id="25" name="筆跡 24">
@@ -6771,8 +6777,8 @@
             </p:pic>
           </mc:Fallback>
         </mc:AlternateContent>
-        <mc:AlternateContent xmlns:mc="http://schemas.openxmlformats.org/markup-compatibility/2006">
-          <mc:Choice xmlns:p14="http://schemas.microsoft.com/office/powerpoint/2010/main" Requires="p14">
+        <mc:AlternateContent xmlns:mc="http://schemas.openxmlformats.org/markup-compatibility/2006" xmlns:p14="http://schemas.microsoft.com/office/powerpoint/2010/main">
+          <mc:Choice Requires="p14">
             <p:contentPart p14:bwMode="auto" r:id="rId6">
               <p14:nvContentPartPr>
                 <p14:cNvPr id="26" name="筆跡 25">
@@ -6791,7 +6797,7 @@
               </p14:xfrm>
             </p:contentPart>
           </mc:Choice>
-          <mc:Fallback>
+          <mc:Fallback xmlns="">
             <p:pic>
               <p:nvPicPr>
                 <p:cNvPr id="26" name="筆跡 25">
@@ -14052,10 +14058,215 @@
           <a:chExt cx="0" cy="0"/>
         </a:xfrm>
       </p:grpSpPr>
+      <p:sp>
+        <p:nvSpPr>
+          <p:cNvPr id="3" name="文字方塊 2">
+            <a:extLst>
+              <a:ext uri="{FF2B5EF4-FFF2-40B4-BE49-F238E27FC236}">
+                <a16:creationId xmlns:a16="http://schemas.microsoft.com/office/drawing/2014/main" id="{6488556F-4DC8-65CC-F595-DD6D46A32B86}"/>
+              </a:ext>
+            </a:extLst>
+          </p:cNvPr>
+          <p:cNvSpPr txBox="1"/>
+          <p:nvPr/>
+        </p:nvSpPr>
+        <p:spPr>
+          <a:xfrm>
+            <a:off x="405017" y="1000684"/>
+            <a:ext cx="10021129" cy="1200329"/>
+          </a:xfrm>
+          <a:prstGeom prst="rect">
+            <a:avLst/>
+          </a:prstGeom>
+          <a:noFill/>
+        </p:spPr>
+        <p:txBody>
+          <a:bodyPr wrap="square">
+            <a:spAutoFit/>
+          </a:bodyPr>
+          <a:lstStyle/>
+          <a:p>
+            <a:pPr>
+              <a:buNone/>
+            </a:pPr>
+            <a:r>
+              <a:rPr lang="en-US" altLang="zh-TW" dirty="0">
+                <a:effectLst/>
+              </a:rPr>
+              <a:t>75 65 82 29 </a:t>
+            </a:r>
+            <a:r>
+              <a:rPr lang="en-US" altLang="zh-TW" dirty="0">
+                <a:effectLst/>
+                <a:highlight>
+                  <a:srgbClr val="FFFF00"/>
+                </a:highlight>
+              </a:rPr>
+              <a:t>0E D3 41 17 9D 8B AC F1 3E 8B 09 63 00 03 </a:t>
+            </a:r>
+            <a:r>
+              <a:rPr lang="en-US" altLang="zh-TW" dirty="0">
+                <a:effectLst/>
+                <a:highlight>
+                  <a:srgbClr val="00FF00"/>
+                </a:highlight>
+              </a:rPr>
+              <a:t>13 49 48 BC EC 5A C0 0D 25 CB 3C 45 17 74 02 00 07 00 01 </a:t>
+            </a:r>
+            <a:r>
+              <a:rPr lang="en-US" altLang="zh-TW" dirty="0">
+                <a:effectLst/>
+                <a:highlight>
+                  <a:srgbClr val="FF00FF"/>
+                </a:highlight>
+              </a:rPr>
+              <a:t>08 10 00 04 00 01 00 01 </a:t>
+            </a:r>
+            <a:r>
+              <a:rPr lang="en-US" altLang="zh-TW" dirty="0">
+                <a:effectLst/>
+              </a:rPr>
+              <a:t>52 2B </a:t>
+            </a:r>
+          </a:p>
+          <a:p>
+            <a:pPr>
+              <a:buNone/>
+            </a:pPr>
+            <a:br>
+              <a:rPr lang="en-US" altLang="zh-TW" dirty="0">
+                <a:effectLst/>
+              </a:rPr>
+            </a:br>
+            <a:endParaRPr lang="zh-TW" altLang="en-US" dirty="0"/>
+          </a:p>
+        </p:txBody>
+      </p:sp>
+      <p:sp>
+        <p:nvSpPr>
+          <p:cNvPr id="4" name="文字方塊 3">
+            <a:extLst>
+              <a:ext uri="{FF2B5EF4-FFF2-40B4-BE49-F238E27FC236}">
+                <a16:creationId xmlns:a16="http://schemas.microsoft.com/office/drawing/2014/main" id="{ACDEBB07-BCB7-3E85-9C8C-C8D0E50E0524}"/>
+              </a:ext>
+            </a:extLst>
+          </p:cNvPr>
+          <p:cNvSpPr txBox="1"/>
+          <p:nvPr/>
+        </p:nvSpPr>
+        <p:spPr>
+          <a:xfrm>
+            <a:off x="1192696" y="2584174"/>
+            <a:ext cx="3696846" cy="923330"/>
+          </a:xfrm>
+          <a:prstGeom prst="rect">
+            <a:avLst/>
+          </a:prstGeom>
+          <a:noFill/>
+        </p:spPr>
+        <p:txBody>
+          <a:bodyPr wrap="none" rtlCol="0">
+            <a:spAutoFit/>
+          </a:bodyPr>
+          <a:lstStyle/>
+          <a:p>
+            <a:r>
+              <a:rPr lang="en-US" altLang="zh-TW" dirty="0"/>
+              <a:t>H’0E</a:t>
+            </a:r>
+            <a:r>
+              <a:rPr lang="zh-TW" altLang="en-US" dirty="0"/>
+              <a:t> </a:t>
+            </a:r>
+            <a:r>
+              <a:rPr lang="en-US" altLang="zh-TW" dirty="0"/>
+              <a:t>+</a:t>
+            </a:r>
+            <a:r>
+              <a:rPr lang="zh-TW" altLang="en-US" dirty="0"/>
+              <a:t> </a:t>
+            </a:r>
+            <a:r>
+              <a:rPr lang="en-US" altLang="zh-TW" dirty="0"/>
+              <a:t>h’13 = 14 + 19 = 33</a:t>
+            </a:r>
+          </a:p>
+          <a:p>
+            <a:r>
+              <a:rPr lang="en-US" altLang="zh-TW" dirty="0"/>
+              <a:t>H’0E</a:t>
+            </a:r>
+            <a:r>
+              <a:rPr lang="zh-TW" altLang="en-US" dirty="0"/>
+              <a:t> </a:t>
+            </a:r>
+            <a:r>
+              <a:rPr lang="en-US" altLang="zh-TW" dirty="0"/>
+              <a:t>+</a:t>
+            </a:r>
+            <a:r>
+              <a:rPr lang="zh-TW" altLang="en-US" dirty="0"/>
+              <a:t> </a:t>
+            </a:r>
+            <a:r>
+              <a:rPr lang="en-US" altLang="zh-TW"/>
+              <a:t>h’13 + h’08 = </a:t>
+            </a:r>
+            <a:r>
+              <a:rPr lang="en-US" altLang="zh-TW" dirty="0"/>
+              <a:t>14 + </a:t>
+            </a:r>
+            <a:r>
+              <a:rPr lang="en-US" altLang="zh-TW"/>
+              <a:t>19 + 8 = 41</a:t>
+            </a:r>
+            <a:endParaRPr lang="zh-TW" altLang="en-US" dirty="0"/>
+          </a:p>
+          <a:p>
+            <a:endParaRPr lang="zh-TW" altLang="en-US" dirty="0"/>
+          </a:p>
+        </p:txBody>
+      </p:sp>
     </p:spTree>
     <p:extLst>
       <p:ext uri="{BB962C8B-B14F-4D97-AF65-F5344CB8AC3E}">
         <p14:creationId xmlns:p14="http://schemas.microsoft.com/office/powerpoint/2010/main" val="3317933082"/>
+      </p:ext>
+    </p:extLst>
+  </p:cSld>
+  <p:clrMapOvr>
+    <a:masterClrMapping/>
+  </p:clrMapOvr>
+</p:sld>
+</file>
+
+<file path=ppt/slides/slide59.xml><?xml version="1.0" encoding="utf-8"?>
+<p:sld xmlns:a="http://schemas.openxmlformats.org/drawingml/2006/main" xmlns:r="http://schemas.openxmlformats.org/officeDocument/2006/relationships" xmlns:p="http://schemas.openxmlformats.org/presentationml/2006/main">
+  <p:cSld>
+    <p:spTree>
+      <p:nvGrpSpPr>
+        <p:cNvPr id="1" name="">
+          <a:extLst>
+            <a:ext uri="{FF2B5EF4-FFF2-40B4-BE49-F238E27FC236}">
+              <a16:creationId xmlns:a16="http://schemas.microsoft.com/office/drawing/2014/main" id="{BBF5D88A-2BFF-08D7-9886-68EE38D50481}"/>
+            </a:ext>
+          </a:extLst>
+        </p:cNvPr>
+        <p:cNvGrpSpPr/>
+        <p:nvPr/>
+      </p:nvGrpSpPr>
+      <p:grpSpPr>
+        <a:xfrm>
+          <a:off x="0" y="0"/>
+          <a:ext cx="0" cy="0"/>
+          <a:chOff x="0" y="0"/>
+          <a:chExt cx="0" cy="0"/>
+        </a:xfrm>
+      </p:grpSpPr>
+    </p:spTree>
+    <p:extLst>
+      <p:ext uri="{BB962C8B-B14F-4D97-AF65-F5344CB8AC3E}">
+        <p14:creationId xmlns:p14="http://schemas.microsoft.com/office/powerpoint/2010/main" val="558121701"/>
       </p:ext>
     </p:extLst>
   </p:cSld>
